--- a/Escrito de tesis/images/Chagas_03dic.pptx
+++ b/Escrito de tesis/images/Chagas_03dic.pptx
@@ -261,7 +261,7 @@
           <a:p>
             <a:fld id="{330ED124-75CD-4E37-A87C-BE2FE6CBEF12}" type="datetimeFigureOut">
               <a:rPr lang="es-MX" smtClean="0"/>
-              <a:t>03/12/2024</a:t>
+              <a:t>20/01/2025</a:t>
             </a:fld>
             <a:endParaRPr lang="es-MX"/>
           </a:p>
@@ -461,7 +461,7 @@
           <a:p>
             <a:fld id="{330ED124-75CD-4E37-A87C-BE2FE6CBEF12}" type="datetimeFigureOut">
               <a:rPr lang="es-MX" smtClean="0"/>
-              <a:t>03/12/2024</a:t>
+              <a:t>20/01/2025</a:t>
             </a:fld>
             <a:endParaRPr lang="es-MX"/>
           </a:p>
@@ -671,7 +671,7 @@
           <a:p>
             <a:fld id="{330ED124-75CD-4E37-A87C-BE2FE6CBEF12}" type="datetimeFigureOut">
               <a:rPr lang="es-MX" smtClean="0"/>
-              <a:t>03/12/2024</a:t>
+              <a:t>20/01/2025</a:t>
             </a:fld>
             <a:endParaRPr lang="es-MX"/>
           </a:p>
@@ -871,7 +871,7 @@
           <a:p>
             <a:fld id="{330ED124-75CD-4E37-A87C-BE2FE6CBEF12}" type="datetimeFigureOut">
               <a:rPr lang="es-MX" smtClean="0"/>
-              <a:t>03/12/2024</a:t>
+              <a:t>20/01/2025</a:t>
             </a:fld>
             <a:endParaRPr lang="es-MX"/>
           </a:p>
@@ -1147,7 +1147,7 @@
           <a:p>
             <a:fld id="{330ED124-75CD-4E37-A87C-BE2FE6CBEF12}" type="datetimeFigureOut">
               <a:rPr lang="es-MX" smtClean="0"/>
-              <a:t>03/12/2024</a:t>
+              <a:t>20/01/2025</a:t>
             </a:fld>
             <a:endParaRPr lang="es-MX"/>
           </a:p>
@@ -1415,7 +1415,7 @@
           <a:p>
             <a:fld id="{330ED124-75CD-4E37-A87C-BE2FE6CBEF12}" type="datetimeFigureOut">
               <a:rPr lang="es-MX" smtClean="0"/>
-              <a:t>03/12/2024</a:t>
+              <a:t>20/01/2025</a:t>
             </a:fld>
             <a:endParaRPr lang="es-MX"/>
           </a:p>
@@ -1830,7 +1830,7 @@
           <a:p>
             <a:fld id="{330ED124-75CD-4E37-A87C-BE2FE6CBEF12}" type="datetimeFigureOut">
               <a:rPr lang="es-MX" smtClean="0"/>
-              <a:t>03/12/2024</a:t>
+              <a:t>20/01/2025</a:t>
             </a:fld>
             <a:endParaRPr lang="es-MX"/>
           </a:p>
@@ -1972,7 +1972,7 @@
           <a:p>
             <a:fld id="{330ED124-75CD-4E37-A87C-BE2FE6CBEF12}" type="datetimeFigureOut">
               <a:rPr lang="es-MX" smtClean="0"/>
-              <a:t>03/12/2024</a:t>
+              <a:t>20/01/2025</a:t>
             </a:fld>
             <a:endParaRPr lang="es-MX"/>
           </a:p>
@@ -2085,7 +2085,7 @@
           <a:p>
             <a:fld id="{330ED124-75CD-4E37-A87C-BE2FE6CBEF12}" type="datetimeFigureOut">
               <a:rPr lang="es-MX" smtClean="0"/>
-              <a:t>03/12/2024</a:t>
+              <a:t>20/01/2025</a:t>
             </a:fld>
             <a:endParaRPr lang="es-MX"/>
           </a:p>
@@ -2398,7 +2398,7 @@
           <a:p>
             <a:fld id="{330ED124-75CD-4E37-A87C-BE2FE6CBEF12}" type="datetimeFigureOut">
               <a:rPr lang="es-MX" smtClean="0"/>
-              <a:t>03/12/2024</a:t>
+              <a:t>20/01/2025</a:t>
             </a:fld>
             <a:endParaRPr lang="es-MX"/>
           </a:p>
@@ -2687,7 +2687,7 @@
           <a:p>
             <a:fld id="{330ED124-75CD-4E37-A87C-BE2FE6CBEF12}" type="datetimeFigureOut">
               <a:rPr lang="es-MX" smtClean="0"/>
-              <a:t>03/12/2024</a:t>
+              <a:t>20/01/2025</a:t>
             </a:fld>
             <a:endParaRPr lang="es-MX"/>
           </a:p>
@@ -2930,7 +2930,7 @@
           <a:p>
             <a:fld id="{330ED124-75CD-4E37-A87C-BE2FE6CBEF12}" type="datetimeFigureOut">
               <a:rPr lang="es-MX" smtClean="0"/>
-              <a:t>03/12/2024</a:t>
+              <a:t>20/01/2025</a:t>
             </a:fld>
             <a:endParaRPr lang="es-MX"/>
           </a:p>
@@ -3349,10 +3349,10 @@
       </p:grpSpPr>
       <p:pic>
         <p:nvPicPr>
-          <p:cNvPr id="6" name="Imagen 5">
-            <a:extLst>
-              <a:ext uri="{FF2B5EF4-FFF2-40B4-BE49-F238E27FC236}">
-                <a16:creationId xmlns:a16="http://schemas.microsoft.com/office/drawing/2014/main" id="{94F92034-B5EC-5240-5EF7-F57E1D4B4EE6}"/>
+          <p:cNvPr id="49" name="Imagen 48">
+            <a:extLst>
+              <a:ext uri="{FF2B5EF4-FFF2-40B4-BE49-F238E27FC236}">
+                <a16:creationId xmlns:a16="http://schemas.microsoft.com/office/drawing/2014/main" id="{EFDAE146-714D-58D3-DFA3-CAB57CB31E61}"/>
               </a:ext>
             </a:extLst>
           </p:cNvPr>
@@ -3369,13 +3369,13 @@
               </a:ext>
             </a:extLst>
           </a:blip>
-          <a:srcRect t="5107" b="7089"/>
+          <a:srcRect b="6480"/>
           <a:stretch/>
         </p:blipFill>
         <p:spPr>
           <a:xfrm>
-            <a:off x="1028179" y="495299"/>
-            <a:ext cx="10135642" cy="6229715"/>
+            <a:off x="871797" y="0"/>
+            <a:ext cx="10448405" cy="6839926"/>
           </a:xfrm>
           <a:prstGeom prst="rect">
             <a:avLst/>
@@ -4584,10 +4584,10 @@
       </p:sp>
       <p:sp>
         <p:nvSpPr>
-          <p:cNvPr id="3" name="Flecha: curvada hacia la derecha 2">
-            <a:extLst>
-              <a:ext uri="{FF2B5EF4-FFF2-40B4-BE49-F238E27FC236}">
-                <a16:creationId xmlns:a16="http://schemas.microsoft.com/office/drawing/2014/main" id="{377FC264-6FE8-C9FF-FCE4-59BEFFA89D78}"/>
+          <p:cNvPr id="5" name="Flecha: a la derecha 4">
+            <a:extLst>
+              <a:ext uri="{FF2B5EF4-FFF2-40B4-BE49-F238E27FC236}">
+                <a16:creationId xmlns:a16="http://schemas.microsoft.com/office/drawing/2014/main" id="{04AA07F9-0D25-9EB8-F0D5-4EE0FB550DB2}"/>
               </a:ext>
             </a:extLst>
           </p:cNvPr>
@@ -4595,11 +4595,731 @@
           <p:nvPr/>
         </p:nvSpPr>
         <p:spPr>
-          <a:xfrm rot="4157106">
-            <a:off x="6643616" y="1082642"/>
-            <a:ext cx="500111" cy="2809966"/>
-          </a:xfrm>
-          <a:prstGeom prst="curvedRightArrow">
+          <a:xfrm rot="16200000">
+            <a:off x="10279990" y="2234017"/>
+            <a:ext cx="485774" cy="219074"/>
+          </a:xfrm>
+          <a:prstGeom prst="rightArrow">
+            <a:avLst/>
+          </a:prstGeom>
+          <a:solidFill>
+            <a:srgbClr val="FF0000"/>
+          </a:solidFill>
+          <a:ln>
+            <a:solidFill>
+              <a:srgbClr val="FF0000"/>
+            </a:solidFill>
+          </a:ln>
+        </p:spPr>
+        <p:style>
+          <a:lnRef idx="2">
+            <a:schemeClr val="accent1">
+              <a:shade val="50000"/>
+            </a:schemeClr>
+          </a:lnRef>
+          <a:fillRef idx="1">
+            <a:schemeClr val="accent1"/>
+          </a:fillRef>
+          <a:effectRef idx="0">
+            <a:schemeClr val="accent1"/>
+          </a:effectRef>
+          <a:fontRef idx="minor">
+            <a:schemeClr val="lt1"/>
+          </a:fontRef>
+        </p:style>
+        <p:txBody>
+          <a:bodyPr rtlCol="0" anchor="ctr"/>
+          <a:lstStyle/>
+          <a:p>
+            <a:pPr algn="ctr"/>
+            <a:endParaRPr lang="es-MX"/>
+          </a:p>
+        </p:txBody>
+      </p:sp>
+      <p:sp>
+        <p:nvSpPr>
+          <p:cNvPr id="7" name="CuadroTexto 6">
+            <a:extLst>
+              <a:ext uri="{FF2B5EF4-FFF2-40B4-BE49-F238E27FC236}">
+                <a16:creationId xmlns:a16="http://schemas.microsoft.com/office/drawing/2014/main" id="{F2A74860-1C03-A2C1-F9F3-C7F53CA6804C}"/>
+              </a:ext>
+            </a:extLst>
+          </p:cNvPr>
+          <p:cNvSpPr txBox="1"/>
+          <p:nvPr/>
+        </p:nvSpPr>
+        <p:spPr>
+          <a:xfrm>
+            <a:off x="10209157" y="2517182"/>
+            <a:ext cx="823914" cy="369332"/>
+          </a:xfrm>
+          <a:prstGeom prst="rect">
+            <a:avLst/>
+          </a:prstGeom>
+          <a:noFill/>
+        </p:spPr>
+        <p:txBody>
+          <a:bodyPr wrap="square" rtlCol="0">
+            <a:spAutoFit/>
+          </a:bodyPr>
+          <a:lstStyle/>
+          <a:p>
+            <a:r>
+              <a:rPr lang="es-MX" b="1" dirty="0">
+                <a:solidFill>
+                  <a:srgbClr val="FF0000"/>
+                </a:solidFill>
+              </a:rPr>
+              <a:t>TNF-a</a:t>
+            </a:r>
+          </a:p>
+        </p:txBody>
+      </p:sp>
+      <p:sp>
+        <p:nvSpPr>
+          <p:cNvPr id="8" name="Signo menos 7">
+            <a:extLst>
+              <a:ext uri="{FF2B5EF4-FFF2-40B4-BE49-F238E27FC236}">
+                <a16:creationId xmlns:a16="http://schemas.microsoft.com/office/drawing/2014/main" id="{C1677780-A497-8EEE-6C6F-B53DF3308A9A}"/>
+              </a:ext>
+            </a:extLst>
+          </p:cNvPr>
+          <p:cNvSpPr/>
+          <p:nvPr/>
+        </p:nvSpPr>
+        <p:spPr>
+          <a:xfrm rot="10800000">
+            <a:off x="10962151" y="2487353"/>
+            <a:ext cx="470680" cy="428990"/>
+          </a:xfrm>
+          <a:prstGeom prst="mathMinus">
+            <a:avLst/>
+          </a:prstGeom>
+          <a:solidFill>
+            <a:srgbClr val="FF0000"/>
+          </a:solidFill>
+          <a:ln>
+            <a:solidFill>
+              <a:srgbClr val="FF0000"/>
+            </a:solidFill>
+          </a:ln>
+        </p:spPr>
+        <p:style>
+          <a:lnRef idx="2">
+            <a:schemeClr val="accent1">
+              <a:shade val="50000"/>
+            </a:schemeClr>
+          </a:lnRef>
+          <a:fillRef idx="1">
+            <a:schemeClr val="accent1"/>
+          </a:fillRef>
+          <a:effectRef idx="0">
+            <a:schemeClr val="accent1"/>
+          </a:effectRef>
+          <a:fontRef idx="minor">
+            <a:schemeClr val="lt1"/>
+          </a:fontRef>
+        </p:style>
+        <p:txBody>
+          <a:bodyPr rtlCol="0" anchor="ctr"/>
+          <a:lstStyle/>
+          <a:p>
+            <a:pPr algn="ctr"/>
+            <a:endParaRPr lang="es-MX"/>
+          </a:p>
+        </p:txBody>
+      </p:sp>
+      <p:sp>
+        <p:nvSpPr>
+          <p:cNvPr id="11" name="Signo menos 10">
+            <a:extLst>
+              <a:ext uri="{FF2B5EF4-FFF2-40B4-BE49-F238E27FC236}">
+                <a16:creationId xmlns:a16="http://schemas.microsoft.com/office/drawing/2014/main" id="{17721454-52D2-4398-6DD0-135D446E9C56}"/>
+              </a:ext>
+            </a:extLst>
+          </p:cNvPr>
+          <p:cNvSpPr/>
+          <p:nvPr/>
+        </p:nvSpPr>
+        <p:spPr>
+          <a:xfrm rot="5400000">
+            <a:off x="10815337" y="2557821"/>
+            <a:ext cx="428990" cy="288054"/>
+          </a:xfrm>
+          <a:prstGeom prst="mathMinus">
+            <a:avLst/>
+          </a:prstGeom>
+          <a:solidFill>
+            <a:srgbClr val="FF0000"/>
+          </a:solidFill>
+          <a:ln>
+            <a:solidFill>
+              <a:srgbClr val="FF0000"/>
+            </a:solidFill>
+          </a:ln>
+        </p:spPr>
+        <p:style>
+          <a:lnRef idx="2">
+            <a:schemeClr val="accent1">
+              <a:shade val="50000"/>
+            </a:schemeClr>
+          </a:lnRef>
+          <a:fillRef idx="1">
+            <a:schemeClr val="accent1"/>
+          </a:fillRef>
+          <a:effectRef idx="0">
+            <a:schemeClr val="accent1"/>
+          </a:effectRef>
+          <a:fontRef idx="minor">
+            <a:schemeClr val="lt1"/>
+          </a:fontRef>
+        </p:style>
+        <p:txBody>
+          <a:bodyPr rtlCol="0" anchor="ctr"/>
+          <a:lstStyle/>
+          <a:p>
+            <a:pPr algn="ctr"/>
+            <a:endParaRPr lang="es-MX" dirty="0"/>
+          </a:p>
+        </p:txBody>
+      </p:sp>
+      <p:sp>
+        <p:nvSpPr>
+          <p:cNvPr id="34" name="CuadroTexto 33">
+            <a:extLst>
+              <a:ext uri="{FF2B5EF4-FFF2-40B4-BE49-F238E27FC236}">
+                <a16:creationId xmlns:a16="http://schemas.microsoft.com/office/drawing/2014/main" id="{C794A35D-E14F-3B58-3F98-6E5F49E742B8}"/>
+              </a:ext>
+            </a:extLst>
+          </p:cNvPr>
+          <p:cNvSpPr txBox="1"/>
+          <p:nvPr/>
+        </p:nvSpPr>
+        <p:spPr>
+          <a:xfrm>
+            <a:off x="11410950" y="2542490"/>
+            <a:ext cx="781050" cy="371474"/>
+          </a:xfrm>
+          <a:prstGeom prst="rect">
+            <a:avLst/>
+          </a:prstGeom>
+          <a:noFill/>
+        </p:spPr>
+        <p:txBody>
+          <a:bodyPr wrap="square" rtlCol="0">
+            <a:spAutoFit/>
+          </a:bodyPr>
+          <a:lstStyle/>
+          <a:p>
+            <a:r>
+              <a:rPr lang="es-MX" b="1" dirty="0">
+                <a:solidFill>
+                  <a:srgbClr val="FF0000"/>
+                </a:solidFill>
+              </a:rPr>
+              <a:t>IL-10</a:t>
+            </a:r>
+          </a:p>
+        </p:txBody>
+      </p:sp>
+      <p:sp>
+        <p:nvSpPr>
+          <p:cNvPr id="37" name="Flecha: a la derecha 36">
+            <a:extLst>
+              <a:ext uri="{FF2B5EF4-FFF2-40B4-BE49-F238E27FC236}">
+                <a16:creationId xmlns:a16="http://schemas.microsoft.com/office/drawing/2014/main" id="{8D1E1AB2-AC15-746C-1272-D9F1B4CF0679}"/>
+              </a:ext>
+            </a:extLst>
+          </p:cNvPr>
+          <p:cNvSpPr/>
+          <p:nvPr/>
+        </p:nvSpPr>
+        <p:spPr>
+          <a:xfrm>
+            <a:off x="9627392" y="5945101"/>
+            <a:ext cx="485774" cy="219074"/>
+          </a:xfrm>
+          <a:prstGeom prst="rightArrow">
+            <a:avLst/>
+          </a:prstGeom>
+          <a:solidFill>
+            <a:srgbClr val="FF0000"/>
+          </a:solidFill>
+          <a:ln>
+            <a:solidFill>
+              <a:srgbClr val="FF0000"/>
+            </a:solidFill>
+          </a:ln>
+        </p:spPr>
+        <p:style>
+          <a:lnRef idx="2">
+            <a:schemeClr val="accent1">
+              <a:shade val="50000"/>
+            </a:schemeClr>
+          </a:lnRef>
+          <a:fillRef idx="1">
+            <a:schemeClr val="accent1"/>
+          </a:fillRef>
+          <a:effectRef idx="0">
+            <a:schemeClr val="accent1"/>
+          </a:effectRef>
+          <a:fontRef idx="minor">
+            <a:schemeClr val="lt1"/>
+          </a:fontRef>
+        </p:style>
+        <p:txBody>
+          <a:bodyPr rtlCol="0" anchor="ctr"/>
+          <a:lstStyle/>
+          <a:p>
+            <a:pPr algn="ctr"/>
+            <a:endParaRPr lang="es-MX"/>
+          </a:p>
+        </p:txBody>
+      </p:sp>
+      <p:sp>
+        <p:nvSpPr>
+          <p:cNvPr id="38" name="CuadroTexto 37">
+            <a:extLst>
+              <a:ext uri="{FF2B5EF4-FFF2-40B4-BE49-F238E27FC236}">
+                <a16:creationId xmlns:a16="http://schemas.microsoft.com/office/drawing/2014/main" id="{52BE0948-679B-4D5B-0EE4-CDE85579D1BA}"/>
+              </a:ext>
+            </a:extLst>
+          </p:cNvPr>
+          <p:cNvSpPr txBox="1"/>
+          <p:nvPr/>
+        </p:nvSpPr>
+        <p:spPr>
+          <a:xfrm>
+            <a:off x="8938091" y="5843772"/>
+            <a:ext cx="781050" cy="371474"/>
+          </a:xfrm>
+          <a:prstGeom prst="rect">
+            <a:avLst/>
+          </a:prstGeom>
+          <a:noFill/>
+        </p:spPr>
+        <p:txBody>
+          <a:bodyPr wrap="square" rtlCol="0">
+            <a:spAutoFit/>
+          </a:bodyPr>
+          <a:lstStyle/>
+          <a:p>
+            <a:r>
+              <a:rPr lang="es-MX" b="1" dirty="0">
+                <a:solidFill>
+                  <a:srgbClr val="FF0000"/>
+                </a:solidFill>
+              </a:rPr>
+              <a:t>TNF-a</a:t>
+            </a:r>
+          </a:p>
+        </p:txBody>
+      </p:sp>
+      <p:sp>
+        <p:nvSpPr>
+          <p:cNvPr id="39" name="Signo menos 38">
+            <a:extLst>
+              <a:ext uri="{FF2B5EF4-FFF2-40B4-BE49-F238E27FC236}">
+                <a16:creationId xmlns:a16="http://schemas.microsoft.com/office/drawing/2014/main" id="{828D940A-C955-C5E0-0B06-19C57A8BF915}"/>
+              </a:ext>
+            </a:extLst>
+          </p:cNvPr>
+          <p:cNvSpPr/>
+          <p:nvPr/>
+        </p:nvSpPr>
+        <p:spPr>
+          <a:xfrm rot="5400000">
+            <a:off x="8723596" y="5880996"/>
+            <a:ext cx="428990" cy="288054"/>
+          </a:xfrm>
+          <a:prstGeom prst="mathMinus">
+            <a:avLst/>
+          </a:prstGeom>
+          <a:solidFill>
+            <a:srgbClr val="FF0000"/>
+          </a:solidFill>
+          <a:ln>
+            <a:solidFill>
+              <a:srgbClr val="FF0000"/>
+            </a:solidFill>
+          </a:ln>
+        </p:spPr>
+        <p:style>
+          <a:lnRef idx="2">
+            <a:schemeClr val="accent1">
+              <a:shade val="50000"/>
+            </a:schemeClr>
+          </a:lnRef>
+          <a:fillRef idx="1">
+            <a:schemeClr val="accent1"/>
+          </a:fillRef>
+          <a:effectRef idx="0">
+            <a:schemeClr val="accent1"/>
+          </a:effectRef>
+          <a:fontRef idx="minor">
+            <a:schemeClr val="lt1"/>
+          </a:fontRef>
+        </p:style>
+        <p:txBody>
+          <a:bodyPr rtlCol="0" anchor="ctr"/>
+          <a:lstStyle/>
+          <a:p>
+            <a:pPr algn="ctr"/>
+            <a:endParaRPr lang="es-MX" dirty="0"/>
+          </a:p>
+        </p:txBody>
+      </p:sp>
+      <p:sp>
+        <p:nvSpPr>
+          <p:cNvPr id="40" name="Signo menos 39">
+            <a:extLst>
+              <a:ext uri="{FF2B5EF4-FFF2-40B4-BE49-F238E27FC236}">
+                <a16:creationId xmlns:a16="http://schemas.microsoft.com/office/drawing/2014/main" id="{F0D28708-AC3A-C4FC-9A18-994FEC77F75F}"/>
+              </a:ext>
+            </a:extLst>
+          </p:cNvPr>
+          <p:cNvSpPr/>
+          <p:nvPr/>
+        </p:nvSpPr>
+        <p:spPr>
+          <a:xfrm rot="10800000">
+            <a:off x="8503788" y="5797740"/>
+            <a:ext cx="470680" cy="428990"/>
+          </a:xfrm>
+          <a:prstGeom prst="mathMinus">
+            <a:avLst/>
+          </a:prstGeom>
+          <a:solidFill>
+            <a:srgbClr val="FF0000"/>
+          </a:solidFill>
+          <a:ln>
+            <a:solidFill>
+              <a:srgbClr val="FF0000"/>
+            </a:solidFill>
+          </a:ln>
+        </p:spPr>
+        <p:style>
+          <a:lnRef idx="2">
+            <a:schemeClr val="accent1">
+              <a:shade val="50000"/>
+            </a:schemeClr>
+          </a:lnRef>
+          <a:fillRef idx="1">
+            <a:schemeClr val="accent1"/>
+          </a:fillRef>
+          <a:effectRef idx="0">
+            <a:schemeClr val="accent1"/>
+          </a:effectRef>
+          <a:fontRef idx="minor">
+            <a:schemeClr val="lt1"/>
+          </a:fontRef>
+        </p:style>
+        <p:txBody>
+          <a:bodyPr rtlCol="0" anchor="ctr"/>
+          <a:lstStyle/>
+          <a:p>
+            <a:pPr algn="ctr"/>
+            <a:endParaRPr lang="es-MX"/>
+          </a:p>
+        </p:txBody>
+      </p:sp>
+      <p:sp>
+        <p:nvSpPr>
+          <p:cNvPr id="41" name="CuadroTexto 40">
+            <a:extLst>
+              <a:ext uri="{FF2B5EF4-FFF2-40B4-BE49-F238E27FC236}">
+                <a16:creationId xmlns:a16="http://schemas.microsoft.com/office/drawing/2014/main" id="{B0620F38-347F-0A97-6E37-BED2484E4220}"/>
+              </a:ext>
+            </a:extLst>
+          </p:cNvPr>
+          <p:cNvSpPr txBox="1"/>
+          <p:nvPr/>
+        </p:nvSpPr>
+        <p:spPr>
+          <a:xfrm>
+            <a:off x="7880868" y="5861651"/>
+            <a:ext cx="781050" cy="371474"/>
+          </a:xfrm>
+          <a:prstGeom prst="rect">
+            <a:avLst/>
+          </a:prstGeom>
+          <a:noFill/>
+        </p:spPr>
+        <p:txBody>
+          <a:bodyPr wrap="square" rtlCol="0">
+            <a:spAutoFit/>
+          </a:bodyPr>
+          <a:lstStyle/>
+          <a:p>
+            <a:r>
+              <a:rPr lang="es-MX" b="1" dirty="0">
+                <a:solidFill>
+                  <a:srgbClr val="FF0000"/>
+                </a:solidFill>
+              </a:rPr>
+              <a:t>IL-10</a:t>
+            </a:r>
+          </a:p>
+        </p:txBody>
+      </p:sp>
+      <p:sp>
+        <p:nvSpPr>
+          <p:cNvPr id="2" name="Flecha: a la derecha 1">
+            <a:extLst>
+              <a:ext uri="{FF2B5EF4-FFF2-40B4-BE49-F238E27FC236}">
+                <a16:creationId xmlns:a16="http://schemas.microsoft.com/office/drawing/2014/main" id="{DF6C7FB7-CD4E-FB20-7C91-B3E32045781B}"/>
+              </a:ext>
+            </a:extLst>
+          </p:cNvPr>
+          <p:cNvSpPr/>
+          <p:nvPr/>
+        </p:nvSpPr>
+        <p:spPr>
+          <a:xfrm rot="10800000">
+            <a:off x="7525740" y="2589170"/>
+            <a:ext cx="485774" cy="219074"/>
+          </a:xfrm>
+          <a:prstGeom prst="rightArrow">
+            <a:avLst/>
+          </a:prstGeom>
+          <a:solidFill>
+            <a:srgbClr val="FF0000"/>
+          </a:solidFill>
+          <a:ln>
+            <a:solidFill>
+              <a:srgbClr val="FF0000"/>
+            </a:solidFill>
+          </a:ln>
+        </p:spPr>
+        <p:style>
+          <a:lnRef idx="2">
+            <a:schemeClr val="accent1">
+              <a:shade val="50000"/>
+            </a:schemeClr>
+          </a:lnRef>
+          <a:fillRef idx="1">
+            <a:schemeClr val="accent1"/>
+          </a:fillRef>
+          <a:effectRef idx="0">
+            <a:schemeClr val="accent1"/>
+          </a:effectRef>
+          <a:fontRef idx="minor">
+            <a:schemeClr val="lt1"/>
+          </a:fontRef>
+        </p:style>
+        <p:txBody>
+          <a:bodyPr rtlCol="0" anchor="ctr"/>
+          <a:lstStyle/>
+          <a:p>
+            <a:pPr algn="ctr"/>
+            <a:endParaRPr lang="es-MX"/>
+          </a:p>
+        </p:txBody>
+      </p:sp>
+      <p:sp>
+        <p:nvSpPr>
+          <p:cNvPr id="20" name="CuadroTexto 19">
+            <a:extLst>
+              <a:ext uri="{FF2B5EF4-FFF2-40B4-BE49-F238E27FC236}">
+                <a16:creationId xmlns:a16="http://schemas.microsoft.com/office/drawing/2014/main" id="{3762ED8D-1F56-8EA9-8E8A-9C346B3D3714}"/>
+              </a:ext>
+            </a:extLst>
+          </p:cNvPr>
+          <p:cNvSpPr txBox="1"/>
+          <p:nvPr/>
+        </p:nvSpPr>
+        <p:spPr>
+          <a:xfrm>
+            <a:off x="8011514" y="2520916"/>
+            <a:ext cx="823914" cy="369332"/>
+          </a:xfrm>
+          <a:prstGeom prst="rect">
+            <a:avLst/>
+          </a:prstGeom>
+          <a:noFill/>
+        </p:spPr>
+        <p:txBody>
+          <a:bodyPr wrap="square" rtlCol="0">
+            <a:spAutoFit/>
+          </a:bodyPr>
+          <a:lstStyle/>
+          <a:p>
+            <a:r>
+              <a:rPr lang="es-MX" b="1" dirty="0">
+                <a:solidFill>
+                  <a:srgbClr val="FF0000"/>
+                </a:solidFill>
+              </a:rPr>
+              <a:t>TNF-a</a:t>
+            </a:r>
+          </a:p>
+        </p:txBody>
+      </p:sp>
+      <p:sp>
+        <p:nvSpPr>
+          <p:cNvPr id="42" name="Signo menos 41">
+            <a:extLst>
+              <a:ext uri="{FF2B5EF4-FFF2-40B4-BE49-F238E27FC236}">
+                <a16:creationId xmlns:a16="http://schemas.microsoft.com/office/drawing/2014/main" id="{9FE02270-AB1A-48B2-2BBD-0C39BD260A79}"/>
+              </a:ext>
+            </a:extLst>
+          </p:cNvPr>
+          <p:cNvSpPr/>
+          <p:nvPr/>
+        </p:nvSpPr>
+        <p:spPr>
+          <a:xfrm rot="5400000">
+            <a:off x="8553765" y="2562475"/>
+            <a:ext cx="428990" cy="288054"/>
+          </a:xfrm>
+          <a:prstGeom prst="mathMinus">
+            <a:avLst/>
+          </a:prstGeom>
+          <a:solidFill>
+            <a:srgbClr val="FF0000"/>
+          </a:solidFill>
+          <a:ln>
+            <a:solidFill>
+              <a:srgbClr val="FF0000"/>
+            </a:solidFill>
+          </a:ln>
+        </p:spPr>
+        <p:style>
+          <a:lnRef idx="2">
+            <a:schemeClr val="accent1">
+              <a:shade val="50000"/>
+            </a:schemeClr>
+          </a:lnRef>
+          <a:fillRef idx="1">
+            <a:schemeClr val="accent1"/>
+          </a:fillRef>
+          <a:effectRef idx="0">
+            <a:schemeClr val="accent1"/>
+          </a:effectRef>
+          <a:fontRef idx="minor">
+            <a:schemeClr val="lt1"/>
+          </a:fontRef>
+        </p:style>
+        <p:txBody>
+          <a:bodyPr rtlCol="0" anchor="ctr"/>
+          <a:lstStyle/>
+          <a:p>
+            <a:pPr algn="ctr"/>
+            <a:endParaRPr lang="es-MX" dirty="0"/>
+          </a:p>
+        </p:txBody>
+      </p:sp>
+      <p:sp>
+        <p:nvSpPr>
+          <p:cNvPr id="43" name="Signo menos 42">
+            <a:extLst>
+              <a:ext uri="{FF2B5EF4-FFF2-40B4-BE49-F238E27FC236}">
+                <a16:creationId xmlns:a16="http://schemas.microsoft.com/office/drawing/2014/main" id="{5490FCF3-4BBF-0EF9-8A2C-318EB10E288C}"/>
+              </a:ext>
+            </a:extLst>
+          </p:cNvPr>
+          <p:cNvSpPr/>
+          <p:nvPr/>
+        </p:nvSpPr>
+        <p:spPr>
+          <a:xfrm rot="10800000">
+            <a:off x="8727676" y="2484974"/>
+            <a:ext cx="470680" cy="428990"/>
+          </a:xfrm>
+          <a:prstGeom prst="mathMinus">
+            <a:avLst/>
+          </a:prstGeom>
+          <a:solidFill>
+            <a:srgbClr val="FF0000"/>
+          </a:solidFill>
+          <a:ln>
+            <a:solidFill>
+              <a:srgbClr val="FF0000"/>
+            </a:solidFill>
+          </a:ln>
+        </p:spPr>
+        <p:style>
+          <a:lnRef idx="2">
+            <a:schemeClr val="accent1">
+              <a:shade val="50000"/>
+            </a:schemeClr>
+          </a:lnRef>
+          <a:fillRef idx="1">
+            <a:schemeClr val="accent1"/>
+          </a:fillRef>
+          <a:effectRef idx="0">
+            <a:schemeClr val="accent1"/>
+          </a:effectRef>
+          <a:fontRef idx="minor">
+            <a:schemeClr val="lt1"/>
+          </a:fontRef>
+        </p:style>
+        <p:txBody>
+          <a:bodyPr rtlCol="0" anchor="ctr"/>
+          <a:lstStyle/>
+          <a:p>
+            <a:pPr algn="ctr"/>
+            <a:endParaRPr lang="es-MX"/>
+          </a:p>
+        </p:txBody>
+      </p:sp>
+      <p:sp>
+        <p:nvSpPr>
+          <p:cNvPr id="44" name="CuadroTexto 43">
+            <a:extLst>
+              <a:ext uri="{FF2B5EF4-FFF2-40B4-BE49-F238E27FC236}">
+                <a16:creationId xmlns:a16="http://schemas.microsoft.com/office/drawing/2014/main" id="{11A3FDFB-D5D9-086E-2F49-483C806FE373}"/>
+              </a:ext>
+            </a:extLst>
+          </p:cNvPr>
+          <p:cNvSpPr txBox="1"/>
+          <p:nvPr/>
+        </p:nvSpPr>
+        <p:spPr>
+          <a:xfrm>
+            <a:off x="9081629" y="2517784"/>
+            <a:ext cx="781050" cy="371474"/>
+          </a:xfrm>
+          <a:prstGeom prst="rect">
+            <a:avLst/>
+          </a:prstGeom>
+          <a:noFill/>
+        </p:spPr>
+        <p:txBody>
+          <a:bodyPr wrap="square" rtlCol="0">
+            <a:spAutoFit/>
+          </a:bodyPr>
+          <a:lstStyle/>
+          <a:p>
+            <a:r>
+              <a:rPr lang="es-MX" b="1" dirty="0">
+                <a:solidFill>
+                  <a:srgbClr val="FF0000"/>
+                </a:solidFill>
+              </a:rPr>
+              <a:t>IL-10</a:t>
+            </a:r>
+          </a:p>
+        </p:txBody>
+      </p:sp>
+      <p:sp>
+        <p:nvSpPr>
+          <p:cNvPr id="45" name="Flecha: hacia la izquierda 44">
+            <a:extLst>
+              <a:ext uri="{FF2B5EF4-FFF2-40B4-BE49-F238E27FC236}">
+                <a16:creationId xmlns:a16="http://schemas.microsoft.com/office/drawing/2014/main" id="{08367EEC-3DDF-99B0-C3BA-553D4D8ED54A}"/>
+              </a:ext>
+            </a:extLst>
+          </p:cNvPr>
+          <p:cNvSpPr/>
+          <p:nvPr/>
+        </p:nvSpPr>
+        <p:spPr>
+          <a:xfrm rot="1862932">
+            <a:off x="5952325" y="4339360"/>
+            <a:ext cx="2140542" cy="258716"/>
+          </a:xfrm>
+          <a:prstGeom prst="leftArrow">
             <a:avLst/>
           </a:prstGeom>
         </p:spPr>
@@ -4624,20 +5344,16 @@
           <a:lstStyle/>
           <a:p>
             <a:pPr algn="ctr"/>
-            <a:endParaRPr lang="es-MX">
-              <a:solidFill>
-                <a:schemeClr val="tx1"/>
-              </a:solidFill>
-            </a:endParaRPr>
-          </a:p>
-        </p:txBody>
-      </p:sp>
-      <p:sp>
-        <p:nvSpPr>
-          <p:cNvPr id="4" name="Flecha: curvada hacia la derecha 3">
-            <a:extLst>
-              <a:ext uri="{FF2B5EF4-FFF2-40B4-BE49-F238E27FC236}">
-                <a16:creationId xmlns:a16="http://schemas.microsoft.com/office/drawing/2014/main" id="{CD0253CA-D04A-F577-65F7-9ADC8B2EEE60}"/>
+            <a:endParaRPr lang="es-MX"/>
+          </a:p>
+        </p:txBody>
+      </p:sp>
+      <p:sp>
+        <p:nvSpPr>
+          <p:cNvPr id="46" name="Flecha: hacia la izquierda 45">
+            <a:extLst>
+              <a:ext uri="{FF2B5EF4-FFF2-40B4-BE49-F238E27FC236}">
+                <a16:creationId xmlns:a16="http://schemas.microsoft.com/office/drawing/2014/main" id="{316712B9-BAB8-1B23-DD42-AD0E530BE596}"/>
               </a:ext>
             </a:extLst>
           </p:cNvPr>
@@ -4645,11 +5361,11 @@
           <p:nvPr/>
         </p:nvSpPr>
         <p:spPr>
-          <a:xfrm rot="7031509" flipH="1">
-            <a:off x="6540984" y="3394370"/>
-            <a:ext cx="379228" cy="2460550"/>
-          </a:xfrm>
-          <a:prstGeom prst="curvedRightArrow">
+          <a:xfrm rot="20036577">
+            <a:off x="5901316" y="2525283"/>
+            <a:ext cx="2545047" cy="247595"/>
+          </a:xfrm>
+          <a:prstGeom prst="leftArrow">
             <a:avLst/>
           </a:prstGeom>
         </p:spPr>
@@ -4674,731 +5390,7 @@
           <a:lstStyle/>
           <a:p>
             <a:pPr algn="ctr"/>
-            <a:endParaRPr lang="es-MX">
-              <a:solidFill>
-                <a:schemeClr val="tx1"/>
-              </a:solidFill>
-            </a:endParaRPr>
-          </a:p>
-        </p:txBody>
-      </p:sp>
-      <p:sp>
-        <p:nvSpPr>
-          <p:cNvPr id="5" name="Flecha: a la derecha 4">
-            <a:extLst>
-              <a:ext uri="{FF2B5EF4-FFF2-40B4-BE49-F238E27FC236}">
-                <a16:creationId xmlns:a16="http://schemas.microsoft.com/office/drawing/2014/main" id="{04AA07F9-0D25-9EB8-F0D5-4EE0FB550DB2}"/>
-              </a:ext>
-            </a:extLst>
-          </p:cNvPr>
-          <p:cNvSpPr/>
-          <p:nvPr/>
-        </p:nvSpPr>
-        <p:spPr>
-          <a:xfrm rot="16200000">
-            <a:off x="10039349" y="2203095"/>
-            <a:ext cx="485774" cy="219074"/>
-          </a:xfrm>
-          <a:prstGeom prst="rightArrow">
-            <a:avLst/>
-          </a:prstGeom>
-          <a:solidFill>
-            <a:srgbClr val="FF0000"/>
-          </a:solidFill>
-          <a:ln>
-            <a:solidFill>
-              <a:srgbClr val="FF0000"/>
-            </a:solidFill>
-          </a:ln>
-        </p:spPr>
-        <p:style>
-          <a:lnRef idx="2">
-            <a:schemeClr val="accent1">
-              <a:shade val="50000"/>
-            </a:schemeClr>
-          </a:lnRef>
-          <a:fillRef idx="1">
-            <a:schemeClr val="accent1"/>
-          </a:fillRef>
-          <a:effectRef idx="0">
-            <a:schemeClr val="accent1"/>
-          </a:effectRef>
-          <a:fontRef idx="minor">
-            <a:schemeClr val="lt1"/>
-          </a:fontRef>
-        </p:style>
-        <p:txBody>
-          <a:bodyPr rtlCol="0" anchor="ctr"/>
-          <a:lstStyle/>
-          <a:p>
-            <a:pPr algn="ctr"/>
-            <a:endParaRPr lang="es-MX"/>
-          </a:p>
-        </p:txBody>
-      </p:sp>
-      <p:sp>
-        <p:nvSpPr>
-          <p:cNvPr id="7" name="CuadroTexto 6">
-            <a:extLst>
-              <a:ext uri="{FF2B5EF4-FFF2-40B4-BE49-F238E27FC236}">
-                <a16:creationId xmlns:a16="http://schemas.microsoft.com/office/drawing/2014/main" id="{F2A74860-1C03-A2C1-F9F3-C7F53CA6804C}"/>
-              </a:ext>
-            </a:extLst>
-          </p:cNvPr>
-          <p:cNvSpPr txBox="1"/>
-          <p:nvPr/>
-        </p:nvSpPr>
-        <p:spPr>
-          <a:xfrm>
-            <a:off x="9870279" y="2493573"/>
-            <a:ext cx="823914" cy="369332"/>
-          </a:xfrm>
-          <a:prstGeom prst="rect">
-            <a:avLst/>
-          </a:prstGeom>
-          <a:noFill/>
-        </p:spPr>
-        <p:txBody>
-          <a:bodyPr wrap="square" rtlCol="0">
-            <a:spAutoFit/>
-          </a:bodyPr>
-          <a:lstStyle/>
-          <a:p>
-            <a:r>
-              <a:rPr lang="es-MX" b="1" dirty="0">
-                <a:solidFill>
-                  <a:srgbClr val="FF0000"/>
-                </a:solidFill>
-              </a:rPr>
-              <a:t>TNF-a</a:t>
-            </a:r>
-          </a:p>
-        </p:txBody>
-      </p:sp>
-      <p:sp>
-        <p:nvSpPr>
-          <p:cNvPr id="8" name="Signo menos 7">
-            <a:extLst>
-              <a:ext uri="{FF2B5EF4-FFF2-40B4-BE49-F238E27FC236}">
-                <a16:creationId xmlns:a16="http://schemas.microsoft.com/office/drawing/2014/main" id="{C1677780-A497-8EEE-6C6F-B53DF3308A9A}"/>
-              </a:ext>
-            </a:extLst>
-          </p:cNvPr>
-          <p:cNvSpPr/>
-          <p:nvPr/>
-        </p:nvSpPr>
-        <p:spPr>
-          <a:xfrm rot="10800000">
-            <a:off x="10623273" y="2463744"/>
-            <a:ext cx="470680" cy="428990"/>
-          </a:xfrm>
-          <a:prstGeom prst="mathMinus">
-            <a:avLst/>
-          </a:prstGeom>
-          <a:solidFill>
-            <a:srgbClr val="FF0000"/>
-          </a:solidFill>
-          <a:ln>
-            <a:solidFill>
-              <a:srgbClr val="FF0000"/>
-            </a:solidFill>
-          </a:ln>
-        </p:spPr>
-        <p:style>
-          <a:lnRef idx="2">
-            <a:schemeClr val="accent1">
-              <a:shade val="50000"/>
-            </a:schemeClr>
-          </a:lnRef>
-          <a:fillRef idx="1">
-            <a:schemeClr val="accent1"/>
-          </a:fillRef>
-          <a:effectRef idx="0">
-            <a:schemeClr val="accent1"/>
-          </a:effectRef>
-          <a:fontRef idx="minor">
-            <a:schemeClr val="lt1"/>
-          </a:fontRef>
-        </p:style>
-        <p:txBody>
-          <a:bodyPr rtlCol="0" anchor="ctr"/>
-          <a:lstStyle/>
-          <a:p>
-            <a:pPr algn="ctr"/>
-            <a:endParaRPr lang="es-MX"/>
-          </a:p>
-        </p:txBody>
-      </p:sp>
-      <p:sp>
-        <p:nvSpPr>
-          <p:cNvPr id="11" name="Signo menos 10">
-            <a:extLst>
-              <a:ext uri="{FF2B5EF4-FFF2-40B4-BE49-F238E27FC236}">
-                <a16:creationId xmlns:a16="http://schemas.microsoft.com/office/drawing/2014/main" id="{17721454-52D2-4398-6DD0-135D446E9C56}"/>
-              </a:ext>
-            </a:extLst>
-          </p:cNvPr>
-          <p:cNvSpPr/>
-          <p:nvPr/>
-        </p:nvSpPr>
-        <p:spPr>
-          <a:xfrm rot="5400000">
-            <a:off x="10476459" y="2534212"/>
-            <a:ext cx="428990" cy="288054"/>
-          </a:xfrm>
-          <a:prstGeom prst="mathMinus">
-            <a:avLst/>
-          </a:prstGeom>
-          <a:solidFill>
-            <a:srgbClr val="FF0000"/>
-          </a:solidFill>
-          <a:ln>
-            <a:solidFill>
-              <a:srgbClr val="FF0000"/>
-            </a:solidFill>
-          </a:ln>
-        </p:spPr>
-        <p:style>
-          <a:lnRef idx="2">
-            <a:schemeClr val="accent1">
-              <a:shade val="50000"/>
-            </a:schemeClr>
-          </a:lnRef>
-          <a:fillRef idx="1">
-            <a:schemeClr val="accent1"/>
-          </a:fillRef>
-          <a:effectRef idx="0">
-            <a:schemeClr val="accent1"/>
-          </a:effectRef>
-          <a:fontRef idx="minor">
-            <a:schemeClr val="lt1"/>
-          </a:fontRef>
-        </p:style>
-        <p:txBody>
-          <a:bodyPr rtlCol="0" anchor="ctr"/>
-          <a:lstStyle/>
-          <a:p>
-            <a:pPr algn="ctr"/>
-            <a:endParaRPr lang="es-MX" dirty="0"/>
-          </a:p>
-        </p:txBody>
-      </p:sp>
-      <p:sp>
-        <p:nvSpPr>
-          <p:cNvPr id="34" name="CuadroTexto 33">
-            <a:extLst>
-              <a:ext uri="{FF2B5EF4-FFF2-40B4-BE49-F238E27FC236}">
-                <a16:creationId xmlns:a16="http://schemas.microsoft.com/office/drawing/2014/main" id="{C794A35D-E14F-3B58-3F98-6E5F49E742B8}"/>
-              </a:ext>
-            </a:extLst>
-          </p:cNvPr>
-          <p:cNvSpPr txBox="1"/>
-          <p:nvPr/>
-        </p:nvSpPr>
-        <p:spPr>
-          <a:xfrm>
-            <a:off x="11072072" y="2518881"/>
-            <a:ext cx="781050" cy="371474"/>
-          </a:xfrm>
-          <a:prstGeom prst="rect">
-            <a:avLst/>
-          </a:prstGeom>
-          <a:noFill/>
-        </p:spPr>
-        <p:txBody>
-          <a:bodyPr wrap="square" rtlCol="0">
-            <a:spAutoFit/>
-          </a:bodyPr>
-          <a:lstStyle/>
-          <a:p>
-            <a:r>
-              <a:rPr lang="es-MX" b="1" dirty="0">
-                <a:solidFill>
-                  <a:srgbClr val="FF0000"/>
-                </a:solidFill>
-              </a:rPr>
-              <a:t>IL-10</a:t>
-            </a:r>
-          </a:p>
-        </p:txBody>
-      </p:sp>
-      <p:sp>
-        <p:nvSpPr>
-          <p:cNvPr id="37" name="Flecha: a la derecha 36">
-            <a:extLst>
-              <a:ext uri="{FF2B5EF4-FFF2-40B4-BE49-F238E27FC236}">
-                <a16:creationId xmlns:a16="http://schemas.microsoft.com/office/drawing/2014/main" id="{8D1E1AB2-AC15-746C-1272-D9F1B4CF0679}"/>
-              </a:ext>
-            </a:extLst>
-          </p:cNvPr>
-          <p:cNvSpPr/>
-          <p:nvPr/>
-        </p:nvSpPr>
-        <p:spPr>
-          <a:xfrm>
-            <a:off x="9627392" y="5945101"/>
-            <a:ext cx="485774" cy="219074"/>
-          </a:xfrm>
-          <a:prstGeom prst="rightArrow">
-            <a:avLst/>
-          </a:prstGeom>
-          <a:solidFill>
-            <a:srgbClr val="FF0000"/>
-          </a:solidFill>
-          <a:ln>
-            <a:solidFill>
-              <a:srgbClr val="FF0000"/>
-            </a:solidFill>
-          </a:ln>
-        </p:spPr>
-        <p:style>
-          <a:lnRef idx="2">
-            <a:schemeClr val="accent1">
-              <a:shade val="50000"/>
-            </a:schemeClr>
-          </a:lnRef>
-          <a:fillRef idx="1">
-            <a:schemeClr val="accent1"/>
-          </a:fillRef>
-          <a:effectRef idx="0">
-            <a:schemeClr val="accent1"/>
-          </a:effectRef>
-          <a:fontRef idx="minor">
-            <a:schemeClr val="lt1"/>
-          </a:fontRef>
-        </p:style>
-        <p:txBody>
-          <a:bodyPr rtlCol="0" anchor="ctr"/>
-          <a:lstStyle/>
-          <a:p>
-            <a:pPr algn="ctr"/>
-            <a:endParaRPr lang="es-MX"/>
-          </a:p>
-        </p:txBody>
-      </p:sp>
-      <p:sp>
-        <p:nvSpPr>
-          <p:cNvPr id="38" name="CuadroTexto 37">
-            <a:extLst>
-              <a:ext uri="{FF2B5EF4-FFF2-40B4-BE49-F238E27FC236}">
-                <a16:creationId xmlns:a16="http://schemas.microsoft.com/office/drawing/2014/main" id="{52BE0948-679B-4D5B-0EE4-CDE85579D1BA}"/>
-              </a:ext>
-            </a:extLst>
-          </p:cNvPr>
-          <p:cNvSpPr txBox="1"/>
-          <p:nvPr/>
-        </p:nvSpPr>
-        <p:spPr>
-          <a:xfrm>
-            <a:off x="8938091" y="5843772"/>
-            <a:ext cx="781050" cy="371474"/>
-          </a:xfrm>
-          <a:prstGeom prst="rect">
-            <a:avLst/>
-          </a:prstGeom>
-          <a:noFill/>
-        </p:spPr>
-        <p:txBody>
-          <a:bodyPr wrap="square" rtlCol="0">
-            <a:spAutoFit/>
-          </a:bodyPr>
-          <a:lstStyle/>
-          <a:p>
-            <a:r>
-              <a:rPr lang="es-MX" b="1" dirty="0">
-                <a:solidFill>
-                  <a:srgbClr val="FF0000"/>
-                </a:solidFill>
-              </a:rPr>
-              <a:t>TNF-a</a:t>
-            </a:r>
-          </a:p>
-        </p:txBody>
-      </p:sp>
-      <p:sp>
-        <p:nvSpPr>
-          <p:cNvPr id="39" name="Signo menos 38">
-            <a:extLst>
-              <a:ext uri="{FF2B5EF4-FFF2-40B4-BE49-F238E27FC236}">
-                <a16:creationId xmlns:a16="http://schemas.microsoft.com/office/drawing/2014/main" id="{828D940A-C955-C5E0-0B06-19C57A8BF915}"/>
-              </a:ext>
-            </a:extLst>
-          </p:cNvPr>
-          <p:cNvSpPr/>
-          <p:nvPr/>
-        </p:nvSpPr>
-        <p:spPr>
-          <a:xfrm rot="5400000">
-            <a:off x="8723596" y="5880996"/>
-            <a:ext cx="428990" cy="288054"/>
-          </a:xfrm>
-          <a:prstGeom prst="mathMinus">
-            <a:avLst/>
-          </a:prstGeom>
-          <a:solidFill>
-            <a:srgbClr val="FF0000"/>
-          </a:solidFill>
-          <a:ln>
-            <a:solidFill>
-              <a:srgbClr val="FF0000"/>
-            </a:solidFill>
-          </a:ln>
-        </p:spPr>
-        <p:style>
-          <a:lnRef idx="2">
-            <a:schemeClr val="accent1">
-              <a:shade val="50000"/>
-            </a:schemeClr>
-          </a:lnRef>
-          <a:fillRef idx="1">
-            <a:schemeClr val="accent1"/>
-          </a:fillRef>
-          <a:effectRef idx="0">
-            <a:schemeClr val="accent1"/>
-          </a:effectRef>
-          <a:fontRef idx="minor">
-            <a:schemeClr val="lt1"/>
-          </a:fontRef>
-        </p:style>
-        <p:txBody>
-          <a:bodyPr rtlCol="0" anchor="ctr"/>
-          <a:lstStyle/>
-          <a:p>
-            <a:pPr algn="ctr"/>
-            <a:endParaRPr lang="es-MX" dirty="0"/>
-          </a:p>
-        </p:txBody>
-      </p:sp>
-      <p:sp>
-        <p:nvSpPr>
-          <p:cNvPr id="40" name="Signo menos 39">
-            <a:extLst>
-              <a:ext uri="{FF2B5EF4-FFF2-40B4-BE49-F238E27FC236}">
-                <a16:creationId xmlns:a16="http://schemas.microsoft.com/office/drawing/2014/main" id="{F0D28708-AC3A-C4FC-9A18-994FEC77F75F}"/>
-              </a:ext>
-            </a:extLst>
-          </p:cNvPr>
-          <p:cNvSpPr/>
-          <p:nvPr/>
-        </p:nvSpPr>
-        <p:spPr>
-          <a:xfrm rot="10800000">
-            <a:off x="8503788" y="5797740"/>
-            <a:ext cx="470680" cy="428990"/>
-          </a:xfrm>
-          <a:prstGeom prst="mathMinus">
-            <a:avLst/>
-          </a:prstGeom>
-          <a:solidFill>
-            <a:srgbClr val="FF0000"/>
-          </a:solidFill>
-          <a:ln>
-            <a:solidFill>
-              <a:srgbClr val="FF0000"/>
-            </a:solidFill>
-          </a:ln>
-        </p:spPr>
-        <p:style>
-          <a:lnRef idx="2">
-            <a:schemeClr val="accent1">
-              <a:shade val="50000"/>
-            </a:schemeClr>
-          </a:lnRef>
-          <a:fillRef idx="1">
-            <a:schemeClr val="accent1"/>
-          </a:fillRef>
-          <a:effectRef idx="0">
-            <a:schemeClr val="accent1"/>
-          </a:effectRef>
-          <a:fontRef idx="minor">
-            <a:schemeClr val="lt1"/>
-          </a:fontRef>
-        </p:style>
-        <p:txBody>
-          <a:bodyPr rtlCol="0" anchor="ctr"/>
-          <a:lstStyle/>
-          <a:p>
-            <a:pPr algn="ctr"/>
-            <a:endParaRPr lang="es-MX"/>
-          </a:p>
-        </p:txBody>
-      </p:sp>
-      <p:sp>
-        <p:nvSpPr>
-          <p:cNvPr id="41" name="CuadroTexto 40">
-            <a:extLst>
-              <a:ext uri="{FF2B5EF4-FFF2-40B4-BE49-F238E27FC236}">
-                <a16:creationId xmlns:a16="http://schemas.microsoft.com/office/drawing/2014/main" id="{B0620F38-347F-0A97-6E37-BED2484E4220}"/>
-              </a:ext>
-            </a:extLst>
-          </p:cNvPr>
-          <p:cNvSpPr txBox="1"/>
-          <p:nvPr/>
-        </p:nvSpPr>
-        <p:spPr>
-          <a:xfrm>
-            <a:off x="7880868" y="5861651"/>
-            <a:ext cx="781050" cy="371474"/>
-          </a:xfrm>
-          <a:prstGeom prst="rect">
-            <a:avLst/>
-          </a:prstGeom>
-          <a:noFill/>
-        </p:spPr>
-        <p:txBody>
-          <a:bodyPr wrap="square" rtlCol="0">
-            <a:spAutoFit/>
-          </a:bodyPr>
-          <a:lstStyle/>
-          <a:p>
-            <a:r>
-              <a:rPr lang="es-MX" b="1" dirty="0">
-                <a:solidFill>
-                  <a:srgbClr val="FF0000"/>
-                </a:solidFill>
-              </a:rPr>
-              <a:t>IL-10</a:t>
-            </a:r>
-          </a:p>
-        </p:txBody>
-      </p:sp>
-      <p:sp>
-        <p:nvSpPr>
-          <p:cNvPr id="2" name="Flecha: a la derecha 1">
-            <a:extLst>
-              <a:ext uri="{FF2B5EF4-FFF2-40B4-BE49-F238E27FC236}">
-                <a16:creationId xmlns:a16="http://schemas.microsoft.com/office/drawing/2014/main" id="{DF6C7FB7-CD4E-FB20-7C91-B3E32045781B}"/>
-              </a:ext>
-            </a:extLst>
-          </p:cNvPr>
-          <p:cNvSpPr/>
-          <p:nvPr/>
-        </p:nvSpPr>
-        <p:spPr>
-          <a:xfrm rot="10800000">
-            <a:off x="6234678" y="2595081"/>
-            <a:ext cx="485774" cy="219074"/>
-          </a:xfrm>
-          <a:prstGeom prst="rightArrow">
-            <a:avLst/>
-          </a:prstGeom>
-          <a:solidFill>
-            <a:srgbClr val="FF0000"/>
-          </a:solidFill>
-          <a:ln>
-            <a:solidFill>
-              <a:srgbClr val="FF0000"/>
-            </a:solidFill>
-          </a:ln>
-        </p:spPr>
-        <p:style>
-          <a:lnRef idx="2">
-            <a:schemeClr val="accent1">
-              <a:shade val="50000"/>
-            </a:schemeClr>
-          </a:lnRef>
-          <a:fillRef idx="1">
-            <a:schemeClr val="accent1"/>
-          </a:fillRef>
-          <a:effectRef idx="0">
-            <a:schemeClr val="accent1"/>
-          </a:effectRef>
-          <a:fontRef idx="minor">
-            <a:schemeClr val="lt1"/>
-          </a:fontRef>
-        </p:style>
-        <p:txBody>
-          <a:bodyPr rtlCol="0" anchor="ctr"/>
-          <a:lstStyle/>
-          <a:p>
-            <a:pPr algn="ctr"/>
-            <a:endParaRPr lang="es-MX"/>
-          </a:p>
-        </p:txBody>
-      </p:sp>
-      <p:sp>
-        <p:nvSpPr>
-          <p:cNvPr id="20" name="CuadroTexto 19">
-            <a:extLst>
-              <a:ext uri="{FF2B5EF4-FFF2-40B4-BE49-F238E27FC236}">
-                <a16:creationId xmlns:a16="http://schemas.microsoft.com/office/drawing/2014/main" id="{3762ED8D-1F56-8EA9-8E8A-9C346B3D3714}"/>
-              </a:ext>
-            </a:extLst>
-          </p:cNvPr>
-          <p:cNvSpPr txBox="1"/>
-          <p:nvPr/>
-        </p:nvSpPr>
-        <p:spPr>
-          <a:xfrm>
-            <a:off x="6720452" y="2526827"/>
-            <a:ext cx="823914" cy="369332"/>
-          </a:xfrm>
-          <a:prstGeom prst="rect">
-            <a:avLst/>
-          </a:prstGeom>
-          <a:noFill/>
-        </p:spPr>
-        <p:txBody>
-          <a:bodyPr wrap="square" rtlCol="0">
-            <a:spAutoFit/>
-          </a:bodyPr>
-          <a:lstStyle/>
-          <a:p>
-            <a:r>
-              <a:rPr lang="es-MX" b="1" dirty="0">
-                <a:solidFill>
-                  <a:srgbClr val="FF0000"/>
-                </a:solidFill>
-              </a:rPr>
-              <a:t>TNF-a</a:t>
-            </a:r>
-          </a:p>
-        </p:txBody>
-      </p:sp>
-      <p:sp>
-        <p:nvSpPr>
-          <p:cNvPr id="42" name="Signo menos 41">
-            <a:extLst>
-              <a:ext uri="{FF2B5EF4-FFF2-40B4-BE49-F238E27FC236}">
-                <a16:creationId xmlns:a16="http://schemas.microsoft.com/office/drawing/2014/main" id="{9FE02270-AB1A-48B2-2BBD-0C39BD260A79}"/>
-              </a:ext>
-            </a:extLst>
-          </p:cNvPr>
-          <p:cNvSpPr/>
-          <p:nvPr/>
-        </p:nvSpPr>
-        <p:spPr>
-          <a:xfrm rot="5400000">
-            <a:off x="7236277" y="2572047"/>
-            <a:ext cx="428990" cy="288054"/>
-          </a:xfrm>
-          <a:prstGeom prst="mathMinus">
-            <a:avLst/>
-          </a:prstGeom>
-          <a:solidFill>
-            <a:srgbClr val="FF0000"/>
-          </a:solidFill>
-          <a:ln>
-            <a:solidFill>
-              <a:srgbClr val="FF0000"/>
-            </a:solidFill>
-          </a:ln>
-        </p:spPr>
-        <p:style>
-          <a:lnRef idx="2">
-            <a:schemeClr val="accent1">
-              <a:shade val="50000"/>
-            </a:schemeClr>
-          </a:lnRef>
-          <a:fillRef idx="1">
-            <a:schemeClr val="accent1"/>
-          </a:fillRef>
-          <a:effectRef idx="0">
-            <a:schemeClr val="accent1"/>
-          </a:effectRef>
-          <a:fontRef idx="minor">
-            <a:schemeClr val="lt1"/>
-          </a:fontRef>
-        </p:style>
-        <p:txBody>
-          <a:bodyPr rtlCol="0" anchor="ctr"/>
-          <a:lstStyle/>
-          <a:p>
-            <a:pPr algn="ctr"/>
-            <a:endParaRPr lang="es-MX" dirty="0"/>
-          </a:p>
-        </p:txBody>
-      </p:sp>
-      <p:sp>
-        <p:nvSpPr>
-          <p:cNvPr id="43" name="Signo menos 42">
-            <a:extLst>
-              <a:ext uri="{FF2B5EF4-FFF2-40B4-BE49-F238E27FC236}">
-                <a16:creationId xmlns:a16="http://schemas.microsoft.com/office/drawing/2014/main" id="{5490FCF3-4BBF-0EF9-8A2C-318EB10E288C}"/>
-              </a:ext>
-            </a:extLst>
-          </p:cNvPr>
-          <p:cNvSpPr/>
-          <p:nvPr/>
-        </p:nvSpPr>
-        <p:spPr>
-          <a:xfrm rot="10800000">
-            <a:off x="7410188" y="2494546"/>
-            <a:ext cx="470680" cy="428990"/>
-          </a:xfrm>
-          <a:prstGeom prst="mathMinus">
-            <a:avLst/>
-          </a:prstGeom>
-          <a:solidFill>
-            <a:srgbClr val="FF0000"/>
-          </a:solidFill>
-          <a:ln>
-            <a:solidFill>
-              <a:srgbClr val="FF0000"/>
-            </a:solidFill>
-          </a:ln>
-        </p:spPr>
-        <p:style>
-          <a:lnRef idx="2">
-            <a:schemeClr val="accent1">
-              <a:shade val="50000"/>
-            </a:schemeClr>
-          </a:lnRef>
-          <a:fillRef idx="1">
-            <a:schemeClr val="accent1"/>
-          </a:fillRef>
-          <a:effectRef idx="0">
-            <a:schemeClr val="accent1"/>
-          </a:effectRef>
-          <a:fontRef idx="minor">
-            <a:schemeClr val="lt1"/>
-          </a:fontRef>
-        </p:style>
-        <p:txBody>
-          <a:bodyPr rtlCol="0" anchor="ctr"/>
-          <a:lstStyle/>
-          <a:p>
-            <a:pPr algn="ctr"/>
-            <a:endParaRPr lang="es-MX"/>
-          </a:p>
-        </p:txBody>
-      </p:sp>
-      <p:sp>
-        <p:nvSpPr>
-          <p:cNvPr id="44" name="CuadroTexto 43">
-            <a:extLst>
-              <a:ext uri="{FF2B5EF4-FFF2-40B4-BE49-F238E27FC236}">
-                <a16:creationId xmlns:a16="http://schemas.microsoft.com/office/drawing/2014/main" id="{11A3FDFB-D5D9-086E-2F49-483C806FE373}"/>
-              </a:ext>
-            </a:extLst>
-          </p:cNvPr>
-          <p:cNvSpPr txBox="1"/>
-          <p:nvPr/>
-        </p:nvSpPr>
-        <p:spPr>
-          <a:xfrm>
-            <a:off x="7790567" y="2523695"/>
-            <a:ext cx="781050" cy="371474"/>
-          </a:xfrm>
-          <a:prstGeom prst="rect">
-            <a:avLst/>
-          </a:prstGeom>
-          <a:noFill/>
-        </p:spPr>
-        <p:txBody>
-          <a:bodyPr wrap="square" rtlCol="0">
-            <a:spAutoFit/>
-          </a:bodyPr>
-          <a:lstStyle/>
-          <a:p>
-            <a:r>
-              <a:rPr lang="es-MX" b="1" dirty="0">
-                <a:solidFill>
-                  <a:srgbClr val="FF0000"/>
-                </a:solidFill>
-              </a:rPr>
-              <a:t>IL-10</a:t>
-            </a:r>
+            <a:endParaRPr lang="es-MX"/>
           </a:p>
         </p:txBody>
       </p:sp>

--- a/Escrito de tesis/images/Chagas_03dic.pptx
+++ b/Escrito de tesis/images/Chagas_03dic.pptx
@@ -6,6 +6,8 @@
   </p:sldMasterIdLst>
   <p:sldIdLst>
     <p:sldId id="256" r:id="rId2"/>
+    <p:sldId id="258" r:id="rId3"/>
+    <p:sldId id="257" r:id="rId4"/>
   </p:sldIdLst>
   <p:sldSz cx="12192000" cy="6858000"/>
   <p:notesSz cx="6858000" cy="9144000"/>
@@ -261,7 +263,7 @@
           <a:p>
             <a:fld id="{330ED124-75CD-4E37-A87C-BE2FE6CBEF12}" type="datetimeFigureOut">
               <a:rPr lang="es-MX" smtClean="0"/>
-              <a:t>20/01/2025</a:t>
+              <a:t>24/03/2025</a:t>
             </a:fld>
             <a:endParaRPr lang="es-MX"/>
           </a:p>
@@ -461,7 +463,7 @@
           <a:p>
             <a:fld id="{330ED124-75CD-4E37-A87C-BE2FE6CBEF12}" type="datetimeFigureOut">
               <a:rPr lang="es-MX" smtClean="0"/>
-              <a:t>20/01/2025</a:t>
+              <a:t>24/03/2025</a:t>
             </a:fld>
             <a:endParaRPr lang="es-MX"/>
           </a:p>
@@ -671,7 +673,7 @@
           <a:p>
             <a:fld id="{330ED124-75CD-4E37-A87C-BE2FE6CBEF12}" type="datetimeFigureOut">
               <a:rPr lang="es-MX" smtClean="0"/>
-              <a:t>20/01/2025</a:t>
+              <a:t>24/03/2025</a:t>
             </a:fld>
             <a:endParaRPr lang="es-MX"/>
           </a:p>
@@ -871,7 +873,7 @@
           <a:p>
             <a:fld id="{330ED124-75CD-4E37-A87C-BE2FE6CBEF12}" type="datetimeFigureOut">
               <a:rPr lang="es-MX" smtClean="0"/>
-              <a:t>20/01/2025</a:t>
+              <a:t>24/03/2025</a:t>
             </a:fld>
             <a:endParaRPr lang="es-MX"/>
           </a:p>
@@ -1147,7 +1149,7 @@
           <a:p>
             <a:fld id="{330ED124-75CD-4E37-A87C-BE2FE6CBEF12}" type="datetimeFigureOut">
               <a:rPr lang="es-MX" smtClean="0"/>
-              <a:t>20/01/2025</a:t>
+              <a:t>24/03/2025</a:t>
             </a:fld>
             <a:endParaRPr lang="es-MX"/>
           </a:p>
@@ -1415,7 +1417,7 @@
           <a:p>
             <a:fld id="{330ED124-75CD-4E37-A87C-BE2FE6CBEF12}" type="datetimeFigureOut">
               <a:rPr lang="es-MX" smtClean="0"/>
-              <a:t>20/01/2025</a:t>
+              <a:t>24/03/2025</a:t>
             </a:fld>
             <a:endParaRPr lang="es-MX"/>
           </a:p>
@@ -1830,7 +1832,7 @@
           <a:p>
             <a:fld id="{330ED124-75CD-4E37-A87C-BE2FE6CBEF12}" type="datetimeFigureOut">
               <a:rPr lang="es-MX" smtClean="0"/>
-              <a:t>20/01/2025</a:t>
+              <a:t>24/03/2025</a:t>
             </a:fld>
             <a:endParaRPr lang="es-MX"/>
           </a:p>
@@ -1972,7 +1974,7 @@
           <a:p>
             <a:fld id="{330ED124-75CD-4E37-A87C-BE2FE6CBEF12}" type="datetimeFigureOut">
               <a:rPr lang="es-MX" smtClean="0"/>
-              <a:t>20/01/2025</a:t>
+              <a:t>24/03/2025</a:t>
             </a:fld>
             <a:endParaRPr lang="es-MX"/>
           </a:p>
@@ -2085,7 +2087,7 @@
           <a:p>
             <a:fld id="{330ED124-75CD-4E37-A87C-BE2FE6CBEF12}" type="datetimeFigureOut">
               <a:rPr lang="es-MX" smtClean="0"/>
-              <a:t>20/01/2025</a:t>
+              <a:t>24/03/2025</a:t>
             </a:fld>
             <a:endParaRPr lang="es-MX"/>
           </a:p>
@@ -2398,7 +2400,7 @@
           <a:p>
             <a:fld id="{330ED124-75CD-4E37-A87C-BE2FE6CBEF12}" type="datetimeFigureOut">
               <a:rPr lang="es-MX" smtClean="0"/>
-              <a:t>20/01/2025</a:t>
+              <a:t>24/03/2025</a:t>
             </a:fld>
             <a:endParaRPr lang="es-MX"/>
           </a:p>
@@ -2687,7 +2689,7 @@
           <a:p>
             <a:fld id="{330ED124-75CD-4E37-A87C-BE2FE6CBEF12}" type="datetimeFigureOut">
               <a:rPr lang="es-MX" smtClean="0"/>
-              <a:t>20/01/2025</a:t>
+              <a:t>24/03/2025</a:t>
             </a:fld>
             <a:endParaRPr lang="es-MX"/>
           </a:p>
@@ -2930,7 +2932,7 @@
           <a:p>
             <a:fld id="{330ED124-75CD-4E37-A87C-BE2FE6CBEF12}" type="datetimeFigureOut">
               <a:rPr lang="es-MX" smtClean="0"/>
-              <a:t>20/01/2025</a:t>
+              <a:t>24/03/2025</a:t>
             </a:fld>
             <a:endParaRPr lang="es-MX"/>
           </a:p>
@@ -5394,10 +5396,422 @@
           </a:p>
         </p:txBody>
       </p:sp>
+      <p:pic>
+        <p:nvPicPr>
+          <p:cNvPr id="3" name="Imagen 2">
+            <a:extLst>
+              <a:ext uri="{FF2B5EF4-FFF2-40B4-BE49-F238E27FC236}">
+                <a16:creationId xmlns:a16="http://schemas.microsoft.com/office/drawing/2014/main" id="{A465AF5F-76E8-B89D-0F71-200ADE4CDD9E}"/>
+              </a:ext>
+            </a:extLst>
+          </p:cNvPr>
+          <p:cNvPicPr>
+            <a:picLocks noChangeAspect="1"/>
+          </p:cNvPicPr>
+          <p:nvPr/>
+        </p:nvPicPr>
+        <p:blipFill rotWithShape="1">
+          <a:blip r:embed="rId2">
+            <a:extLst>
+              <a:ext uri="{28A0092B-C50C-407E-A947-70E740481C1C}">
+                <a14:useLocalDpi xmlns:a14="http://schemas.microsoft.com/office/drawing/2010/main" val="0"/>
+              </a:ext>
+            </a:extLst>
+          </a:blip>
+          <a:srcRect b="6480"/>
+          <a:stretch/>
+        </p:blipFill>
+        <p:spPr>
+          <a:xfrm>
+            <a:off x="1024197" y="152400"/>
+            <a:ext cx="10448405" cy="6839926"/>
+          </a:xfrm>
+          <a:prstGeom prst="rect">
+            <a:avLst/>
+          </a:prstGeom>
+        </p:spPr>
+      </p:pic>
     </p:spTree>
     <p:extLst>
       <p:ext uri="{BB962C8B-B14F-4D97-AF65-F5344CB8AC3E}">
         <p14:creationId xmlns:p14="http://schemas.microsoft.com/office/powerpoint/2010/main" val="3747457960"/>
+      </p:ext>
+    </p:extLst>
+  </p:cSld>
+  <p:clrMapOvr>
+    <a:masterClrMapping/>
+  </p:clrMapOvr>
+</p:sld>
+</file>
+
+<file path=ppt/slides/slide2.xml><?xml version="1.0" encoding="utf-8"?>
+<p:sld xmlns:a="http://schemas.openxmlformats.org/drawingml/2006/main" xmlns:r="http://schemas.openxmlformats.org/officeDocument/2006/relationships" xmlns:p="http://schemas.openxmlformats.org/presentationml/2006/main">
+  <p:cSld>
+    <p:spTree>
+      <p:nvGrpSpPr>
+        <p:cNvPr id="1" name=""/>
+        <p:cNvGrpSpPr/>
+        <p:nvPr/>
+      </p:nvGrpSpPr>
+      <p:grpSpPr>
+        <a:xfrm>
+          <a:off x="0" y="0"/>
+          <a:ext cx="0" cy="0"/>
+          <a:chOff x="0" y="0"/>
+          <a:chExt cx="0" cy="0"/>
+        </a:xfrm>
+      </p:grpSpPr>
+      <p:pic>
+        <p:nvPicPr>
+          <p:cNvPr id="6" name="Imagen 5">
+            <a:extLst>
+              <a:ext uri="{FF2B5EF4-FFF2-40B4-BE49-F238E27FC236}">
+                <a16:creationId xmlns:a16="http://schemas.microsoft.com/office/drawing/2014/main" id="{9ED7C9A3-C343-4D14-8894-02B87773A30B}"/>
+              </a:ext>
+            </a:extLst>
+          </p:cNvPr>
+          <p:cNvPicPr>
+            <a:picLocks noChangeAspect="1"/>
+          </p:cNvPicPr>
+          <p:nvPr/>
+        </p:nvPicPr>
+        <p:blipFill>
+          <a:blip r:embed="rId2">
+            <a:extLst>
+              <a:ext uri="{28A0092B-C50C-407E-A947-70E740481C1C}">
+                <a14:useLocalDpi xmlns:a14="http://schemas.microsoft.com/office/drawing/2010/main" val="0"/>
+              </a:ext>
+            </a:extLst>
+          </a:blip>
+          <a:stretch>
+            <a:fillRect/>
+          </a:stretch>
+        </p:blipFill>
+        <p:spPr>
+          <a:xfrm>
+            <a:off x="1522958" y="227870"/>
+            <a:ext cx="9146084" cy="6402259"/>
+          </a:xfrm>
+          <a:prstGeom prst="rect">
+            <a:avLst/>
+          </a:prstGeom>
+        </p:spPr>
+      </p:pic>
+    </p:spTree>
+    <p:extLst>
+      <p:ext uri="{BB962C8B-B14F-4D97-AF65-F5344CB8AC3E}">
+        <p14:creationId xmlns:p14="http://schemas.microsoft.com/office/powerpoint/2010/main" val="1913004874"/>
+      </p:ext>
+    </p:extLst>
+  </p:cSld>
+  <p:clrMapOvr>
+    <a:masterClrMapping/>
+  </p:clrMapOvr>
+</p:sld>
+</file>
+
+<file path=ppt/slides/slide3.xml><?xml version="1.0" encoding="utf-8"?>
+<p:sld xmlns:a="http://schemas.openxmlformats.org/drawingml/2006/main" xmlns:r="http://schemas.openxmlformats.org/officeDocument/2006/relationships" xmlns:p="http://schemas.openxmlformats.org/presentationml/2006/main">
+  <p:cSld>
+    <p:spTree>
+      <p:nvGrpSpPr>
+        <p:cNvPr id="1" name=""/>
+        <p:cNvGrpSpPr/>
+        <p:nvPr/>
+      </p:nvGrpSpPr>
+      <p:grpSpPr>
+        <a:xfrm>
+          <a:off x="0" y="0"/>
+          <a:ext cx="0" cy="0"/>
+          <a:chOff x="0" y="0"/>
+          <a:chExt cx="0" cy="0"/>
+        </a:xfrm>
+      </p:grpSpPr>
+      <p:pic>
+        <p:nvPicPr>
+          <p:cNvPr id="4" name="Imagen 3">
+            <a:extLst>
+              <a:ext uri="{FF2B5EF4-FFF2-40B4-BE49-F238E27FC236}">
+                <a16:creationId xmlns:a16="http://schemas.microsoft.com/office/drawing/2014/main" id="{68E62438-41E7-2840-8154-0C99EA4D7468}"/>
+              </a:ext>
+            </a:extLst>
+          </p:cNvPr>
+          <p:cNvPicPr>
+            <a:picLocks noChangeAspect="1"/>
+          </p:cNvPicPr>
+          <p:nvPr/>
+        </p:nvPicPr>
+        <p:blipFill>
+          <a:blip r:embed="rId2">
+            <a:extLst>
+              <a:ext uri="{28A0092B-C50C-407E-A947-70E740481C1C}">
+                <a14:useLocalDpi xmlns:a14="http://schemas.microsoft.com/office/drawing/2010/main" val="0"/>
+              </a:ext>
+            </a:extLst>
+          </a:blip>
+          <a:stretch>
+            <a:fillRect/>
+          </a:stretch>
+        </p:blipFill>
+        <p:spPr>
+          <a:xfrm rot="5400000">
+            <a:off x="3027680" y="-346112"/>
+            <a:ext cx="6843432" cy="7564792"/>
+          </a:xfrm>
+          <a:prstGeom prst="rect">
+            <a:avLst/>
+          </a:prstGeom>
+        </p:spPr>
+      </p:pic>
+      <p:pic>
+        <p:nvPicPr>
+          <p:cNvPr id="47" name="Imagen 46">
+            <a:extLst>
+              <a:ext uri="{FF2B5EF4-FFF2-40B4-BE49-F238E27FC236}">
+                <a16:creationId xmlns:a16="http://schemas.microsoft.com/office/drawing/2014/main" id="{336A8842-B701-6F0A-93B9-552EFFCB980D}"/>
+              </a:ext>
+            </a:extLst>
+          </p:cNvPr>
+          <p:cNvPicPr>
+            <a:picLocks noChangeAspect="1"/>
+          </p:cNvPicPr>
+          <p:nvPr/>
+        </p:nvPicPr>
+        <p:blipFill rotWithShape="1">
+          <a:blip r:embed="rId3">
+            <a:extLst>
+              <a:ext uri="{28A0092B-C50C-407E-A947-70E740481C1C}">
+                <a14:useLocalDpi xmlns:a14="http://schemas.microsoft.com/office/drawing/2010/main" val="0"/>
+              </a:ext>
+            </a:extLst>
+          </a:blip>
+          <a:srcRect l="6053" t="22031" r="67287" b="54760"/>
+          <a:stretch/>
+        </p:blipFill>
+        <p:spPr>
+          <a:xfrm rot="5400000">
+            <a:off x="9563832" y="1648789"/>
+            <a:ext cx="981551" cy="598133"/>
+          </a:xfrm>
+          <a:prstGeom prst="rect">
+            <a:avLst/>
+          </a:prstGeom>
+        </p:spPr>
+      </p:pic>
+      <p:pic>
+        <p:nvPicPr>
+          <p:cNvPr id="48" name="Imagen 47">
+            <a:extLst>
+              <a:ext uri="{FF2B5EF4-FFF2-40B4-BE49-F238E27FC236}">
+                <a16:creationId xmlns:a16="http://schemas.microsoft.com/office/drawing/2014/main" id="{C1E5936D-457B-B5DF-EADD-E104F056034D}"/>
+              </a:ext>
+            </a:extLst>
+          </p:cNvPr>
+          <p:cNvPicPr>
+            <a:picLocks noChangeAspect="1"/>
+          </p:cNvPicPr>
+          <p:nvPr/>
+        </p:nvPicPr>
+        <p:blipFill rotWithShape="1">
+          <a:blip r:embed="rId3">
+            <a:extLst>
+              <a:ext uri="{28A0092B-C50C-407E-A947-70E740481C1C}">
+                <a14:useLocalDpi xmlns:a14="http://schemas.microsoft.com/office/drawing/2010/main" val="0"/>
+              </a:ext>
+            </a:extLst>
+          </a:blip>
+          <a:srcRect l="41772" t="29618" r="34171" b="34973"/>
+          <a:stretch/>
+        </p:blipFill>
+        <p:spPr>
+          <a:xfrm rot="5400000">
+            <a:off x="9768636" y="3620398"/>
+            <a:ext cx="864282" cy="890472"/>
+          </a:xfrm>
+          <a:prstGeom prst="rect">
+            <a:avLst/>
+          </a:prstGeom>
+        </p:spPr>
+      </p:pic>
+      <p:pic>
+        <p:nvPicPr>
+          <p:cNvPr id="50" name="Imagen 49">
+            <a:extLst>
+              <a:ext uri="{FF2B5EF4-FFF2-40B4-BE49-F238E27FC236}">
+                <a16:creationId xmlns:a16="http://schemas.microsoft.com/office/drawing/2014/main" id="{A949F87C-D958-0700-2991-BD86659E64D3}"/>
+              </a:ext>
+            </a:extLst>
+          </p:cNvPr>
+          <p:cNvPicPr>
+            <a:picLocks noChangeAspect="1"/>
+          </p:cNvPicPr>
+          <p:nvPr/>
+        </p:nvPicPr>
+        <p:blipFill rotWithShape="1">
+          <a:blip r:embed="rId3">
+            <a:extLst>
+              <a:ext uri="{28A0092B-C50C-407E-A947-70E740481C1C}">
+                <a14:useLocalDpi xmlns:a14="http://schemas.microsoft.com/office/drawing/2010/main" val="0"/>
+              </a:ext>
+            </a:extLst>
+          </a:blip>
+          <a:srcRect l="57810" t="7450" r="12509" b="78714"/>
+          <a:stretch/>
+        </p:blipFill>
+        <p:spPr>
+          <a:xfrm rot="5400000">
+            <a:off x="9550152" y="6262044"/>
+            <a:ext cx="898665" cy="293248"/>
+          </a:xfrm>
+          <a:prstGeom prst="rect">
+            <a:avLst/>
+          </a:prstGeom>
+        </p:spPr>
+      </p:pic>
+      <p:pic>
+        <p:nvPicPr>
+          <p:cNvPr id="51" name="Imagen 50">
+            <a:extLst>
+              <a:ext uri="{FF2B5EF4-FFF2-40B4-BE49-F238E27FC236}">
+                <a16:creationId xmlns:a16="http://schemas.microsoft.com/office/drawing/2014/main" id="{33D212DA-60EA-1FE4-1625-212F1312B9FE}"/>
+              </a:ext>
+            </a:extLst>
+          </p:cNvPr>
+          <p:cNvPicPr>
+            <a:picLocks noChangeAspect="1"/>
+          </p:cNvPicPr>
+          <p:nvPr/>
+        </p:nvPicPr>
+        <p:blipFill rotWithShape="1">
+          <a:blip r:embed="rId3">
+            <a:extLst>
+              <a:ext uri="{28A0092B-C50C-407E-A947-70E740481C1C}">
+                <a14:useLocalDpi xmlns:a14="http://schemas.microsoft.com/office/drawing/2010/main" val="0"/>
+              </a:ext>
+            </a:extLst>
+          </a:blip>
+          <a:srcRect l="2615" t="59670" r="69995" b="2095"/>
+          <a:stretch/>
+        </p:blipFill>
+        <p:spPr>
+          <a:xfrm rot="5400000">
+            <a:off x="7223458" y="1467079"/>
+            <a:ext cx="876545" cy="856548"/>
+          </a:xfrm>
+          <a:prstGeom prst="rect">
+            <a:avLst/>
+          </a:prstGeom>
+        </p:spPr>
+      </p:pic>
+      <p:pic>
+        <p:nvPicPr>
+          <p:cNvPr id="52" name="Imagen 51">
+            <a:extLst>
+              <a:ext uri="{FF2B5EF4-FFF2-40B4-BE49-F238E27FC236}">
+                <a16:creationId xmlns:a16="http://schemas.microsoft.com/office/drawing/2014/main" id="{DC219D05-34C1-2028-A91D-0A1E158636E9}"/>
+              </a:ext>
+            </a:extLst>
+          </p:cNvPr>
+          <p:cNvPicPr>
+            <a:picLocks noChangeAspect="1"/>
+          </p:cNvPicPr>
+          <p:nvPr/>
+        </p:nvPicPr>
+        <p:blipFill rotWithShape="1">
+          <a:blip r:embed="rId3">
+            <a:extLst>
+              <a:ext uri="{28A0092B-C50C-407E-A947-70E740481C1C}">
+                <a14:useLocalDpi xmlns:a14="http://schemas.microsoft.com/office/drawing/2010/main" val="0"/>
+              </a:ext>
+            </a:extLst>
+          </a:blip>
+          <a:srcRect l="34587" t="74994" r="27297" b="8641"/>
+          <a:stretch/>
+        </p:blipFill>
+        <p:spPr>
+          <a:xfrm rot="5400000">
+            <a:off x="6932717" y="4163090"/>
+            <a:ext cx="1106441" cy="332537"/>
+          </a:xfrm>
+          <a:prstGeom prst="rect">
+            <a:avLst/>
+          </a:prstGeom>
+        </p:spPr>
+      </p:pic>
+      <p:pic>
+        <p:nvPicPr>
+          <p:cNvPr id="53" name="Imagen 52">
+            <a:extLst>
+              <a:ext uri="{FF2B5EF4-FFF2-40B4-BE49-F238E27FC236}">
+                <a16:creationId xmlns:a16="http://schemas.microsoft.com/office/drawing/2014/main" id="{92CB84A0-00BD-7ED4-A92E-B9CEE81F5774}"/>
+              </a:ext>
+            </a:extLst>
+          </p:cNvPr>
+          <p:cNvPicPr>
+            <a:picLocks noChangeAspect="1"/>
+          </p:cNvPicPr>
+          <p:nvPr/>
+        </p:nvPicPr>
+        <p:blipFill rotWithShape="1">
+          <a:blip r:embed="rId3">
+            <a:extLst>
+              <a:ext uri="{28A0092B-C50C-407E-A947-70E740481C1C}">
+                <a14:useLocalDpi xmlns:a14="http://schemas.microsoft.com/office/drawing/2010/main" val="0"/>
+              </a:ext>
+            </a:extLst>
+          </a:blip>
+          <a:srcRect l="78431" t="36908" b="34531"/>
+          <a:stretch/>
+        </p:blipFill>
+        <p:spPr>
+          <a:xfrm>
+            <a:off x="7232618" y="6086409"/>
+            <a:ext cx="695326" cy="644518"/>
+          </a:xfrm>
+          <a:prstGeom prst="rect">
+            <a:avLst/>
+          </a:prstGeom>
+        </p:spPr>
+      </p:pic>
+      <p:pic>
+        <p:nvPicPr>
+          <p:cNvPr id="54" name="Imagen 53">
+            <a:extLst>
+              <a:ext uri="{FF2B5EF4-FFF2-40B4-BE49-F238E27FC236}">
+                <a16:creationId xmlns:a16="http://schemas.microsoft.com/office/drawing/2014/main" id="{0780D134-6B45-6125-B20A-6129971DEBF0}"/>
+              </a:ext>
+            </a:extLst>
+          </p:cNvPr>
+          <p:cNvPicPr>
+            <a:picLocks noChangeAspect="1"/>
+          </p:cNvPicPr>
+          <p:nvPr/>
+        </p:nvPicPr>
+        <p:blipFill rotWithShape="1">
+          <a:blip r:embed="rId3">
+            <a:extLst>
+              <a:ext uri="{28A0092B-C50C-407E-A947-70E740481C1C}">
+                <a14:useLocalDpi xmlns:a14="http://schemas.microsoft.com/office/drawing/2010/main" val="0"/>
+              </a:ext>
+            </a:extLst>
+          </a:blip>
+          <a:srcRect l="78744" t="65469" b="6112"/>
+          <a:stretch/>
+        </p:blipFill>
+        <p:spPr>
+          <a:xfrm>
+            <a:off x="4745320" y="1771831"/>
+            <a:ext cx="722030" cy="675742"/>
+          </a:xfrm>
+          <a:prstGeom prst="rect">
+            <a:avLst/>
+          </a:prstGeom>
+        </p:spPr>
+      </p:pic>
+    </p:spTree>
+    <p:extLst>
+      <p:ext uri="{BB962C8B-B14F-4D97-AF65-F5344CB8AC3E}">
+        <p14:creationId xmlns:p14="http://schemas.microsoft.com/office/powerpoint/2010/main" val="1017678959"/>
       </p:ext>
     </p:extLst>
   </p:cSld>
